--- a/Network-Security/Module_0 Introduction/NetSec Module 0 -- Data Representation.pptx
+++ b/Network-Security/Module_0 Introduction/NetSec Module 0 -- Data Representation.pptx
@@ -19,7 +19,7 @@
     <p:sldId id="349" r:id="rId10"/>
     <p:sldId id="350" r:id="rId11"/>
     <p:sldId id="351" r:id="rId12"/>
-    <p:sldId id="333" r:id="rId13"/>
+    <p:sldId id="352" r:id="rId13"/>
   </p:sldIdLst>
   <p:sldSz cx="9144000" cy="6858000" type="screen4x3"/>
   <p:notesSz cx="7315200" cy="9601200"/>
@@ -279,7 +279,7 @@
               <a:pPr>
                 <a:defRPr/>
               </a:pPr>
-              <a:t>3/20/2018</a:t>
+              <a:t>4/24/18</a:t>
             </a:fld>
             <a:endParaRPr lang="en-US"/>
           </a:p>
@@ -1308,7 +1308,7 @@
     </p:spTree>
     <p:extLst>
       <p:ext uri="{BB962C8B-B14F-4D97-AF65-F5344CB8AC3E}">
-        <p14:creationId xmlns:p14="http://schemas.microsoft.com/office/powerpoint/2010/main" val="2433617412"/>
+        <p14:creationId xmlns:p14="http://schemas.microsoft.com/office/powerpoint/2010/main" val="571443340"/>
       </p:ext>
     </p:extLst>
   </p:cSld>
@@ -3272,7 +3272,7 @@
           <p:cNvPr id="3" name="Slide Number Placeholder 2">
             <a:extLst>
               <a:ext uri="{FF2B5EF4-FFF2-40B4-BE49-F238E27FC236}">
-                <a16:creationId xmlns:a16="http://schemas.microsoft.com/office/drawing/2014/main" id="{7D2FFADE-E1BC-48C1-83AA-6DDDD39A33C4}"/>
+                <a16:creationId xmlns:a16="http://schemas.microsoft.com/office/drawing/2014/main" xmlns="" id="{7D2FFADE-E1BC-48C1-83AA-6DDDD39A33C4}"/>
               </a:ext>
             </a:extLst>
           </p:cNvPr>
@@ -3307,7 +3307,7 @@
           <p:cNvPr id="9" name="Picture 8">
             <a:extLst>
               <a:ext uri="{FF2B5EF4-FFF2-40B4-BE49-F238E27FC236}">
-                <a16:creationId xmlns:a16="http://schemas.microsoft.com/office/drawing/2014/main" id="{9CBFC76A-A606-42CF-BCDF-C73975C150B9}"/>
+                <a16:creationId xmlns:a16="http://schemas.microsoft.com/office/drawing/2014/main" xmlns="" id="{9CBFC76A-A606-42CF-BCDF-C73975C150B9}"/>
               </a:ext>
             </a:extLst>
           </p:cNvPr>
@@ -3337,7 +3337,7 @@
           <p:cNvPr id="4" name="Title 3">
             <a:extLst>
               <a:ext uri="{FF2B5EF4-FFF2-40B4-BE49-F238E27FC236}">
-                <a16:creationId xmlns:a16="http://schemas.microsoft.com/office/drawing/2014/main" id="{B88392DE-AA16-4A19-B18F-6CD2BBB49498}"/>
+                <a16:creationId xmlns:a16="http://schemas.microsoft.com/office/drawing/2014/main" xmlns="" id="{B88392DE-AA16-4A19-B18F-6CD2BBB49498}"/>
               </a:ext>
             </a:extLst>
           </p:cNvPr>
@@ -4310,6 +4310,14 @@
           <a:bodyPr/>
           <a:lstStyle/>
           <a:p>
+            <a:r>
+              <a:rPr lang="en-US" dirty="0">
+                <a:solidFill>
+                  <a:srgbClr val="FF00FF"/>
+                </a:solidFill>
+              </a:rPr>
+              <a:t/>
+            </a:r>
             <a:br>
               <a:rPr lang="en-US" dirty="0">
                 <a:solidFill>
@@ -4317,6 +4325,14 @@
                 </a:solidFill>
               </a:rPr>
             </a:br>
+            <a:r>
+              <a:rPr lang="en-US" dirty="0">
+                <a:solidFill>
+                  <a:srgbClr val="FF00FF"/>
+                </a:solidFill>
+              </a:rPr>
+              <a:t/>
+            </a:r>
             <a:br>
               <a:rPr lang="en-US" dirty="0">
                 <a:solidFill>
@@ -4401,7 +4417,7 @@
           <p:cNvPr id="2" name="Title 1">
             <a:extLst>
               <a:ext uri="{FF2B5EF4-FFF2-40B4-BE49-F238E27FC236}">
-                <a16:creationId xmlns:a16="http://schemas.microsoft.com/office/drawing/2014/main" id="{7A1E2AE1-0B20-4713-8BFF-79FC519AF42A}"/>
+                <a16:creationId xmlns:a16="http://schemas.microsoft.com/office/drawing/2014/main" xmlns="" id="{7A1E2AE1-0B20-4713-8BFF-79FC519AF42A}"/>
               </a:ext>
             </a:extLst>
           </p:cNvPr>
@@ -4429,7 +4445,7 @@
           <p:cNvPr id="3" name="Content Placeholder 2">
             <a:extLst>
               <a:ext uri="{FF2B5EF4-FFF2-40B4-BE49-F238E27FC236}">
-                <a16:creationId xmlns:a16="http://schemas.microsoft.com/office/drawing/2014/main" id="{703B37FE-8792-4B89-A2C7-D5A5F70421D5}"/>
+                <a16:creationId xmlns:a16="http://schemas.microsoft.com/office/drawing/2014/main" xmlns="" id="{703B37FE-8792-4B89-A2C7-D5A5F70421D5}"/>
               </a:ext>
             </a:extLst>
           </p:cNvPr>
@@ -4514,7 +4530,7 @@
           <p:cNvPr id="4" name="Slide Number Placeholder 3">
             <a:extLst>
               <a:ext uri="{FF2B5EF4-FFF2-40B4-BE49-F238E27FC236}">
-                <a16:creationId xmlns:a16="http://schemas.microsoft.com/office/drawing/2014/main" id="{CEE54AC2-ACA8-4B0C-8BC8-238D283B901C}"/>
+                <a16:creationId xmlns:a16="http://schemas.microsoft.com/office/drawing/2014/main" xmlns="" id="{CEE54AC2-ACA8-4B0C-8BC8-238D283B901C}"/>
               </a:ext>
             </a:extLst>
           </p:cNvPr>
@@ -4582,7 +4598,7 @@
           <p:cNvPr id="2" name="Title 1">
             <a:extLst>
               <a:ext uri="{FF2B5EF4-FFF2-40B4-BE49-F238E27FC236}">
-                <a16:creationId xmlns:a16="http://schemas.microsoft.com/office/drawing/2014/main" id="{B312597D-E1E8-4D29-86FF-30BA5595C23B}"/>
+                <a16:creationId xmlns:a16="http://schemas.microsoft.com/office/drawing/2014/main" xmlns="" id="{B312597D-E1E8-4D29-86FF-30BA5595C23B}"/>
               </a:ext>
             </a:extLst>
           </p:cNvPr>
@@ -4610,7 +4626,7 @@
           <p:cNvPr id="3" name="Content Placeholder 2">
             <a:extLst>
               <a:ext uri="{FF2B5EF4-FFF2-40B4-BE49-F238E27FC236}">
-                <a16:creationId xmlns:a16="http://schemas.microsoft.com/office/drawing/2014/main" id="{27560E63-A707-4FF8-A5F9-375F6E873685}"/>
+                <a16:creationId xmlns:a16="http://schemas.microsoft.com/office/drawing/2014/main" xmlns="" id="{27560E63-A707-4FF8-A5F9-375F6E873685}"/>
               </a:ext>
             </a:extLst>
           </p:cNvPr>
@@ -4695,7 +4711,7 @@
           <p:cNvPr id="4" name="Slide Number Placeholder 3">
             <a:extLst>
               <a:ext uri="{FF2B5EF4-FFF2-40B4-BE49-F238E27FC236}">
-                <a16:creationId xmlns:a16="http://schemas.microsoft.com/office/drawing/2014/main" id="{F09B9EF5-C358-4721-8FC3-1121866E2BD1}"/>
+                <a16:creationId xmlns:a16="http://schemas.microsoft.com/office/drawing/2014/main" xmlns="" id="{F09B9EF5-C358-4721-8FC3-1121866E2BD1}"/>
               </a:ext>
             </a:extLst>
           </p:cNvPr>
@@ -4763,7 +4779,7 @@
           <p:cNvPr id="7" name="Slide Number Placeholder 6">
             <a:extLst>
               <a:ext uri="{FF2B5EF4-FFF2-40B4-BE49-F238E27FC236}">
-                <a16:creationId xmlns:a16="http://schemas.microsoft.com/office/drawing/2014/main" id="{27B55DC7-B95B-4807-B808-1E7A81E0F45A}"/>
+                <a16:creationId xmlns="" xmlns:a16="http://schemas.microsoft.com/office/drawing/2014/main" id="{27B55DC7-B95B-4807-B808-1E7A81E0F45A}"/>
               </a:ext>
             </a:extLst>
           </p:cNvPr>
@@ -4790,38 +4806,10 @@
       </p:sp>
       <p:sp>
         <p:nvSpPr>
-          <p:cNvPr id="18" name="Title 17">
-            <a:extLst>
-              <a:ext uri="{FF2B5EF4-FFF2-40B4-BE49-F238E27FC236}">
-                <a16:creationId xmlns:a16="http://schemas.microsoft.com/office/drawing/2014/main" id="{3129924B-5BF1-44AC-A173-AADF01D40E56}"/>
-              </a:ext>
-            </a:extLst>
-          </p:cNvPr>
-          <p:cNvSpPr>
-            <a:spLocks noGrp="1"/>
-          </p:cNvSpPr>
-          <p:nvPr>
-            <p:ph type="title"/>
-          </p:nvPr>
-        </p:nvSpPr>
-        <p:spPr/>
-        <p:txBody>
-          <a:bodyPr/>
-          <a:lstStyle/>
-          <a:p>
-            <a:r>
-              <a:rPr lang="en-US" dirty="0"/>
-              <a:t>Credits</a:t>
-            </a:r>
-          </a:p>
-        </p:txBody>
-      </p:sp>
-      <p:sp>
-        <p:nvSpPr>
           <p:cNvPr id="19" name="Text Placeholder 7">
             <a:extLst>
               <a:ext uri="{FF2B5EF4-FFF2-40B4-BE49-F238E27FC236}">
-                <a16:creationId xmlns:a16="http://schemas.microsoft.com/office/drawing/2014/main" id="{2785A2B3-FCF4-4D59-9841-12917D91B27A}"/>
+                <a16:creationId xmlns="" xmlns:a16="http://schemas.microsoft.com/office/drawing/2014/main" id="{2785A2B3-FCF4-4D59-9841-12917D91B27A}"/>
               </a:ext>
             </a:extLst>
           </p:cNvPr>
@@ -5028,24 +5016,52 @@
             <a:br>
               <a:rPr lang="en-US" dirty="0"/>
             </a:br>
+            <a:r>
+              <a:rPr lang="en-US" dirty="0"/>
+              <a:t/>
+            </a:r>
             <a:br>
               <a:rPr lang="en-US" dirty="0"/>
             </a:br>
+            <a:r>
+              <a:rPr lang="en-US" dirty="0"/>
+              <a:t/>
+            </a:r>
             <a:br>
               <a:rPr lang="en-US" dirty="0"/>
             </a:br>
+            <a:r>
+              <a:rPr lang="en-US" dirty="0"/>
+              <a:t/>
+            </a:r>
             <a:br>
               <a:rPr lang="en-US" dirty="0"/>
             </a:br>
+            <a:r>
+              <a:rPr lang="en-US" dirty="0"/>
+              <a:t/>
+            </a:r>
             <a:br>
               <a:rPr lang="en-US" dirty="0"/>
             </a:br>
+            <a:r>
+              <a:rPr lang="en-US" dirty="0"/>
+              <a:t/>
+            </a:r>
             <a:br>
               <a:rPr lang="en-US" dirty="0"/>
             </a:br>
+            <a:r>
+              <a:rPr lang="en-US" dirty="0"/>
+              <a:t/>
+            </a:r>
             <a:br>
               <a:rPr lang="en-US" dirty="0"/>
             </a:br>
+            <a:r>
+              <a:rPr lang="en-US" dirty="0"/>
+              <a:t/>
+            </a:r>
             <a:br>
               <a:rPr lang="en-US" dirty="0"/>
             </a:br>
@@ -5053,33 +5069,58 @@
           </a:p>
           <a:p>
             <a:r>
-              <a:rPr lang="en-US" dirty="0"/>
+              <a:rPr lang="en-US" sz="1600" dirty="0"/>
               <a:t>Except where otherwise noted, this work is licensed under https://creativecommons.org/licenses/by-nc-sa/4.0/</a:t>
             </a:r>
             <a:br>
-              <a:rPr lang="en-US" dirty="0"/>
+              <a:rPr lang="en-US" sz="1600" dirty="0"/>
             </a:br>
+            <a:r>
+              <a:rPr lang="en-US" sz="1600" dirty="0"/>
+              <a:t/>
+            </a:r>
             <a:br>
-              <a:rPr lang="en-US" dirty="0"/>
+              <a:rPr lang="en-US" sz="1600" dirty="0"/>
             </a:br>
             <a:r>
-              <a:rPr lang="en-US" dirty="0"/>
+              <a:rPr lang="en-US" sz="1600" dirty="0"/>
               <a:t>Not withstanding the non-commercial license terms, non-profit educational institutions are granted a non-exclusive license to adapt and use this material, with attribution.</a:t>
             </a:r>
             <a:br>
-              <a:rPr lang="en-US" dirty="0"/>
+              <a:rPr lang="en-US" sz="1600" dirty="0"/>
             </a:br>
+            <a:r>
+              <a:rPr lang="en-US" sz="1600" dirty="0"/>
+              <a:t/>
+            </a:r>
             <a:br>
-              <a:rPr lang="en-US" dirty="0"/>
+              <a:rPr lang="en-US" sz="1600" dirty="0"/>
             </a:br>
             <a:r>
-              <a:rPr lang="en-US" dirty="0"/>
-              <a:t>Creative Commons and the double C in a circle are registered trademarks of Creative commons in the United States and other countries. Third party marks and brands are the property of their respective holders.</a:t>
-            </a:r>
-            <a:br>
-              <a:rPr lang="en-US" dirty="0"/>
-            </a:br>
-            <a:endParaRPr lang="en-US" dirty="0"/>
+              <a:rPr lang="en-US" sz="1600" dirty="0"/>
+              <a:t>Creative Commons and the double C in a circle are registered trademarks of Creative commons in the United States and other countries. Third party marks and brands are the property of their respective holders</a:t>
+            </a:r>
+            <a:r>
+              <a:rPr lang="en-US" sz="1600" dirty="0" smtClean="0"/>
+              <a:t>.</a:t>
+            </a:r>
+          </a:p>
+          <a:p>
+            <a:r>
+              <a:rPr lang="en-US" sz="1600" dirty="0"/>
+              <a:t>Project sponsored by the National Security Agency under grant Number </a:t>
+            </a:r>
+            <a:r>
+              <a:rPr lang="en-US" sz="1600" dirty="0" smtClean="0"/>
+              <a:t>H98230-17-1-0199. The </a:t>
+            </a:r>
+            <a:r>
+              <a:rPr lang="en-US" sz="1600" dirty="0"/>
+              <a:t>United States Government is authorized to reproduce and distribute reprints notwithstanding any copyright notation herein.</a:t>
+            </a:r>
+          </a:p>
+          <a:p>
+            <a:endParaRPr lang="en-US" sz="1600" dirty="0"/>
           </a:p>
         </p:txBody>
       </p:sp>
@@ -5089,7 +5130,7 @@
     </p:custDataLst>
     <p:extLst>
       <p:ext uri="{BB962C8B-B14F-4D97-AF65-F5344CB8AC3E}">
-        <p14:creationId xmlns:p14="http://schemas.microsoft.com/office/powerpoint/2010/main" val="1892705052"/>
+        <p14:creationId xmlns:p14="http://schemas.microsoft.com/office/powerpoint/2010/main" val="802449500"/>
       </p:ext>
     </p:extLst>
   </p:cSld>
@@ -5212,7 +5253,7 @@
           <p:cNvPr id="3" name="Slide Number Placeholder 2">
             <a:extLst>
               <a:ext uri="{FF2B5EF4-FFF2-40B4-BE49-F238E27FC236}">
-                <a16:creationId xmlns:a16="http://schemas.microsoft.com/office/drawing/2014/main" id="{0B1163B0-19D9-4859-8B88-CD4B646011C3}"/>
+                <a16:creationId xmlns:a16="http://schemas.microsoft.com/office/drawing/2014/main" xmlns="" id="{0B1163B0-19D9-4859-8B88-CD4B646011C3}"/>
               </a:ext>
             </a:extLst>
           </p:cNvPr>
@@ -5275,7 +5316,7 @@
           <p:cNvPr id="2" name="Title 1">
             <a:extLst>
               <a:ext uri="{FF2B5EF4-FFF2-40B4-BE49-F238E27FC236}">
-                <a16:creationId xmlns:a16="http://schemas.microsoft.com/office/drawing/2014/main" id="{0C0F2212-4D2F-4835-97FA-E69E6907AAC3}"/>
+                <a16:creationId xmlns:a16="http://schemas.microsoft.com/office/drawing/2014/main" xmlns="" id="{0C0F2212-4D2F-4835-97FA-E69E6907AAC3}"/>
               </a:ext>
             </a:extLst>
           </p:cNvPr>
@@ -5303,7 +5344,7 @@
           <p:cNvPr id="3" name="Content Placeholder 2">
             <a:extLst>
               <a:ext uri="{FF2B5EF4-FFF2-40B4-BE49-F238E27FC236}">
-                <a16:creationId xmlns:a16="http://schemas.microsoft.com/office/drawing/2014/main" id="{C5655DF2-588A-4E5D-B507-02478491A277}"/>
+                <a16:creationId xmlns:a16="http://schemas.microsoft.com/office/drawing/2014/main" xmlns="" id="{C5655DF2-588A-4E5D-B507-02478491A277}"/>
               </a:ext>
             </a:extLst>
           </p:cNvPr>
@@ -5358,7 +5399,7 @@
           <p:cNvPr id="4" name="Slide Number Placeholder 3">
             <a:extLst>
               <a:ext uri="{FF2B5EF4-FFF2-40B4-BE49-F238E27FC236}">
-                <a16:creationId xmlns:a16="http://schemas.microsoft.com/office/drawing/2014/main" id="{A57F4E43-C617-424D-BB94-C74734C10CAD}"/>
+                <a16:creationId xmlns:a16="http://schemas.microsoft.com/office/drawing/2014/main" xmlns="" id="{A57F4E43-C617-424D-BB94-C74734C10CAD}"/>
               </a:ext>
             </a:extLst>
           </p:cNvPr>
@@ -5426,7 +5467,7 @@
           <p:cNvPr id="2" name="Title 1">
             <a:extLst>
               <a:ext uri="{FF2B5EF4-FFF2-40B4-BE49-F238E27FC236}">
-                <a16:creationId xmlns:a16="http://schemas.microsoft.com/office/drawing/2014/main" id="{1A7F97A7-5FBE-4483-8F6E-A8D66588988B}"/>
+                <a16:creationId xmlns:a16="http://schemas.microsoft.com/office/drawing/2014/main" xmlns="" id="{1A7F97A7-5FBE-4483-8F6E-A8D66588988B}"/>
               </a:ext>
             </a:extLst>
           </p:cNvPr>
@@ -5454,7 +5495,7 @@
           <p:cNvPr id="3" name="Content Placeholder 2">
             <a:extLst>
               <a:ext uri="{FF2B5EF4-FFF2-40B4-BE49-F238E27FC236}">
-                <a16:creationId xmlns:a16="http://schemas.microsoft.com/office/drawing/2014/main" id="{08AAA87F-65F3-48C9-97D9-231631E4809F}"/>
+                <a16:creationId xmlns:a16="http://schemas.microsoft.com/office/drawing/2014/main" xmlns="" id="{08AAA87F-65F3-48C9-97D9-231631E4809F}"/>
               </a:ext>
             </a:extLst>
           </p:cNvPr>
@@ -5539,7 +5580,7 @@
           <p:cNvPr id="4" name="Slide Number Placeholder 3">
             <a:extLst>
               <a:ext uri="{FF2B5EF4-FFF2-40B4-BE49-F238E27FC236}">
-                <a16:creationId xmlns:a16="http://schemas.microsoft.com/office/drawing/2014/main" id="{3C4B01EF-0506-4FD7-9964-75D1534FA10B}"/>
+                <a16:creationId xmlns:a16="http://schemas.microsoft.com/office/drawing/2014/main" xmlns="" id="{3C4B01EF-0506-4FD7-9964-75D1534FA10B}"/>
               </a:ext>
             </a:extLst>
           </p:cNvPr>
@@ -5607,7 +5648,7 @@
           <p:cNvPr id="2" name="Title 1">
             <a:extLst>
               <a:ext uri="{FF2B5EF4-FFF2-40B4-BE49-F238E27FC236}">
-                <a16:creationId xmlns:a16="http://schemas.microsoft.com/office/drawing/2014/main" id="{FDB48419-3C9A-455E-9611-2A3D0B82C21C}"/>
+                <a16:creationId xmlns:a16="http://schemas.microsoft.com/office/drawing/2014/main" xmlns="" id="{FDB48419-3C9A-455E-9611-2A3D0B82C21C}"/>
               </a:ext>
             </a:extLst>
           </p:cNvPr>
@@ -5635,7 +5676,7 @@
           <p:cNvPr id="3" name="Content Placeholder 2">
             <a:extLst>
               <a:ext uri="{FF2B5EF4-FFF2-40B4-BE49-F238E27FC236}">
-                <a16:creationId xmlns:a16="http://schemas.microsoft.com/office/drawing/2014/main" id="{9E273BBD-1B64-4A21-938A-7FE285E19F56}"/>
+                <a16:creationId xmlns:a16="http://schemas.microsoft.com/office/drawing/2014/main" xmlns="" id="{9E273BBD-1B64-4A21-938A-7FE285E19F56}"/>
               </a:ext>
             </a:extLst>
           </p:cNvPr>
@@ -5721,7 +5762,7 @@
           <p:cNvPr id="4" name="Slide Number Placeholder 3">
             <a:extLst>
               <a:ext uri="{FF2B5EF4-FFF2-40B4-BE49-F238E27FC236}">
-                <a16:creationId xmlns:a16="http://schemas.microsoft.com/office/drawing/2014/main" id="{98132DAB-96EC-4341-A114-DE7A1355B347}"/>
+                <a16:creationId xmlns:a16="http://schemas.microsoft.com/office/drawing/2014/main" xmlns="" id="{98132DAB-96EC-4341-A114-DE7A1355B347}"/>
               </a:ext>
             </a:extLst>
           </p:cNvPr>
@@ -5789,7 +5830,7 @@
           <p:cNvPr id="2" name="Title 1">
             <a:extLst>
               <a:ext uri="{FF2B5EF4-FFF2-40B4-BE49-F238E27FC236}">
-                <a16:creationId xmlns:a16="http://schemas.microsoft.com/office/drawing/2014/main" id="{4D52F66D-5E3F-4E9A-B314-9C603116F4B7}"/>
+                <a16:creationId xmlns:a16="http://schemas.microsoft.com/office/drawing/2014/main" xmlns="" id="{4D52F66D-5E3F-4E9A-B314-9C603116F4B7}"/>
               </a:ext>
             </a:extLst>
           </p:cNvPr>
@@ -5817,7 +5858,7 @@
           <p:cNvPr id="3" name="Content Placeholder 2">
             <a:extLst>
               <a:ext uri="{FF2B5EF4-FFF2-40B4-BE49-F238E27FC236}">
-                <a16:creationId xmlns:a16="http://schemas.microsoft.com/office/drawing/2014/main" id="{535153DB-3A52-4241-8CC6-DE293083C2C4}"/>
+                <a16:creationId xmlns:a16="http://schemas.microsoft.com/office/drawing/2014/main" xmlns="" id="{535153DB-3A52-4241-8CC6-DE293083C2C4}"/>
               </a:ext>
             </a:extLst>
           </p:cNvPr>
@@ -6451,7 +6492,7 @@
           <p:cNvPr id="4" name="Slide Number Placeholder 3">
             <a:extLst>
               <a:ext uri="{FF2B5EF4-FFF2-40B4-BE49-F238E27FC236}">
-                <a16:creationId xmlns:a16="http://schemas.microsoft.com/office/drawing/2014/main" id="{BBD8546C-7884-45D8-AF7F-DE50B5691555}"/>
+                <a16:creationId xmlns:a16="http://schemas.microsoft.com/office/drawing/2014/main" xmlns="" id="{BBD8546C-7884-45D8-AF7F-DE50B5691555}"/>
               </a:ext>
             </a:extLst>
           </p:cNvPr>
@@ -6519,7 +6560,7 @@
           <p:cNvPr id="2" name="Title 1">
             <a:extLst>
               <a:ext uri="{FF2B5EF4-FFF2-40B4-BE49-F238E27FC236}">
-                <a16:creationId xmlns:a16="http://schemas.microsoft.com/office/drawing/2014/main" id="{864A14F1-8F11-459B-90DA-DB4EFD9A7281}"/>
+                <a16:creationId xmlns:a16="http://schemas.microsoft.com/office/drawing/2014/main" xmlns="" id="{864A14F1-8F11-459B-90DA-DB4EFD9A7281}"/>
               </a:ext>
             </a:extLst>
           </p:cNvPr>
@@ -6547,7 +6588,7 @@
           <p:cNvPr id="3" name="Content Placeholder 2">
             <a:extLst>
               <a:ext uri="{FF2B5EF4-FFF2-40B4-BE49-F238E27FC236}">
-                <a16:creationId xmlns:a16="http://schemas.microsoft.com/office/drawing/2014/main" id="{94053964-0C29-454C-8160-D8B96745950B}"/>
+                <a16:creationId xmlns:a16="http://schemas.microsoft.com/office/drawing/2014/main" xmlns="" id="{94053964-0C29-454C-8160-D8B96745950B}"/>
               </a:ext>
             </a:extLst>
           </p:cNvPr>
@@ -6672,7 +6713,7 @@
           <p:cNvPr id="4" name="Slide Number Placeholder 3">
             <a:extLst>
               <a:ext uri="{FF2B5EF4-FFF2-40B4-BE49-F238E27FC236}">
-                <a16:creationId xmlns:a16="http://schemas.microsoft.com/office/drawing/2014/main" id="{5A075144-F726-4710-8A44-30830A6FAC0E}"/>
+                <a16:creationId xmlns:a16="http://schemas.microsoft.com/office/drawing/2014/main" xmlns="" id="{5A075144-F726-4710-8A44-30830A6FAC0E}"/>
               </a:ext>
             </a:extLst>
           </p:cNvPr>
@@ -6740,7 +6781,7 @@
           <p:cNvPr id="2" name="Title 1">
             <a:extLst>
               <a:ext uri="{FF2B5EF4-FFF2-40B4-BE49-F238E27FC236}">
-                <a16:creationId xmlns:a16="http://schemas.microsoft.com/office/drawing/2014/main" id="{6A8AB29D-BE31-4082-90E5-15DF3ABA3673}"/>
+                <a16:creationId xmlns:a16="http://schemas.microsoft.com/office/drawing/2014/main" xmlns="" id="{6A8AB29D-BE31-4082-90E5-15DF3ABA3673}"/>
               </a:ext>
             </a:extLst>
           </p:cNvPr>
@@ -6768,7 +6809,7 @@
           <p:cNvPr id="3" name="Content Placeholder 2">
             <a:extLst>
               <a:ext uri="{FF2B5EF4-FFF2-40B4-BE49-F238E27FC236}">
-                <a16:creationId xmlns:a16="http://schemas.microsoft.com/office/drawing/2014/main" id="{72DD5C17-E9C0-4F43-93FB-EF482C6345D1}"/>
+                <a16:creationId xmlns:a16="http://schemas.microsoft.com/office/drawing/2014/main" xmlns="" id="{72DD5C17-E9C0-4F43-93FB-EF482C6345D1}"/>
               </a:ext>
             </a:extLst>
           </p:cNvPr>
@@ -6839,7 +6880,7 @@
           <p:cNvPr id="4" name="Slide Number Placeholder 3">
             <a:extLst>
               <a:ext uri="{FF2B5EF4-FFF2-40B4-BE49-F238E27FC236}">
-                <a16:creationId xmlns:a16="http://schemas.microsoft.com/office/drawing/2014/main" id="{3DBE2457-4F59-427E-8D05-6C2489DB0FCA}"/>
+                <a16:creationId xmlns:a16="http://schemas.microsoft.com/office/drawing/2014/main" xmlns="" id="{3DBE2457-4F59-427E-8D05-6C2489DB0FCA}"/>
               </a:ext>
             </a:extLst>
           </p:cNvPr>
@@ -6907,7 +6948,7 @@
           <p:cNvPr id="2" name="Title 1">
             <a:extLst>
               <a:ext uri="{FF2B5EF4-FFF2-40B4-BE49-F238E27FC236}">
-                <a16:creationId xmlns:a16="http://schemas.microsoft.com/office/drawing/2014/main" id="{9065E89E-11AA-4013-871A-7B0570264798}"/>
+                <a16:creationId xmlns:a16="http://schemas.microsoft.com/office/drawing/2014/main" xmlns="" id="{9065E89E-11AA-4013-871A-7B0570264798}"/>
               </a:ext>
             </a:extLst>
           </p:cNvPr>
@@ -6935,7 +6976,7 @@
           <p:cNvPr id="3" name="Content Placeholder 2">
             <a:extLst>
               <a:ext uri="{FF2B5EF4-FFF2-40B4-BE49-F238E27FC236}">
-                <a16:creationId xmlns:a16="http://schemas.microsoft.com/office/drawing/2014/main" id="{CB9CA527-5F86-40E3-98BD-DF52B1EFD970}"/>
+                <a16:creationId xmlns:a16="http://schemas.microsoft.com/office/drawing/2014/main" xmlns="" id="{CB9CA527-5F86-40E3-98BD-DF52B1EFD970}"/>
               </a:ext>
             </a:extLst>
           </p:cNvPr>
@@ -7011,7 +7052,7 @@
           <p:cNvPr id="4" name="Slide Number Placeholder 3">
             <a:extLst>
               <a:ext uri="{FF2B5EF4-FFF2-40B4-BE49-F238E27FC236}">
-                <a16:creationId xmlns:a16="http://schemas.microsoft.com/office/drawing/2014/main" id="{7C20D664-9AB6-45B9-99CC-923B724EA2D8}"/>
+                <a16:creationId xmlns:a16="http://schemas.microsoft.com/office/drawing/2014/main" xmlns="" id="{7C20D664-9AB6-45B9-99CC-923B724EA2D8}"/>
               </a:ext>
             </a:extLst>
           </p:cNvPr>
@@ -7046,7 +7087,7 @@
           <p:cNvPr id="5" name="Table 4">
             <a:extLst>
               <a:ext uri="{FF2B5EF4-FFF2-40B4-BE49-F238E27FC236}">
-                <a16:creationId xmlns:a16="http://schemas.microsoft.com/office/drawing/2014/main" id="{8738E106-852C-4FB7-9DC8-F2B54080324A}"/>
+                <a16:creationId xmlns:a16="http://schemas.microsoft.com/office/drawing/2014/main" xmlns="" id="{8738E106-852C-4FB7-9DC8-F2B54080324A}"/>
               </a:ext>
             </a:extLst>
           </p:cNvPr>
@@ -7075,21 +7116,21 @@
                 <a:gridCol w="1652722">
                   <a:extLst>
                     <a:ext uri="{9D8B030D-6E8A-4147-A177-3AD203B41FA5}">
-                      <a16:colId xmlns:a16="http://schemas.microsoft.com/office/drawing/2014/main" val="3013726457"/>
+                      <a16:colId xmlns:a16="http://schemas.microsoft.com/office/drawing/2014/main" xmlns="" val="3013726457"/>
                     </a:ext>
                   </a:extLst>
                 </a:gridCol>
                 <a:gridCol w="2836152">
                   <a:extLst>
                     <a:ext uri="{9D8B030D-6E8A-4147-A177-3AD203B41FA5}">
-                      <a16:colId xmlns:a16="http://schemas.microsoft.com/office/drawing/2014/main" val="2637374814"/>
+                      <a16:colId xmlns:a16="http://schemas.microsoft.com/office/drawing/2014/main" xmlns="" val="2637374814"/>
                     </a:ext>
                   </a:extLst>
                 </a:gridCol>
                 <a:gridCol w="2398569">
                   <a:extLst>
                     <a:ext uri="{9D8B030D-6E8A-4147-A177-3AD203B41FA5}">
-                      <a16:colId xmlns:a16="http://schemas.microsoft.com/office/drawing/2014/main" val="1178218593"/>
+                      <a16:colId xmlns:a16="http://schemas.microsoft.com/office/drawing/2014/main" xmlns="" val="1178218593"/>
                     </a:ext>
                   </a:extLst>
                 </a:gridCol>
@@ -7139,7 +7180,7 @@
                 </a:tc>
                 <a:extLst>
                   <a:ext uri="{0D108BD9-81ED-4DB2-BD59-A6C34878D82A}">
-                    <a16:rowId xmlns:a16="http://schemas.microsoft.com/office/drawing/2014/main" val="3907854285"/>
+                    <a16:rowId xmlns:a16="http://schemas.microsoft.com/office/drawing/2014/main" xmlns="" val="3907854285"/>
                   </a:ext>
                 </a:extLst>
               </a:tr>
@@ -7188,7 +7229,7 @@
                 </a:tc>
                 <a:extLst>
                   <a:ext uri="{0D108BD9-81ED-4DB2-BD59-A6C34878D82A}">
-                    <a16:rowId xmlns:a16="http://schemas.microsoft.com/office/drawing/2014/main" val="418161803"/>
+                    <a16:rowId xmlns:a16="http://schemas.microsoft.com/office/drawing/2014/main" xmlns="" val="418161803"/>
                   </a:ext>
                 </a:extLst>
               </a:tr>
@@ -7237,7 +7278,7 @@
                 </a:tc>
                 <a:extLst>
                   <a:ext uri="{0D108BD9-81ED-4DB2-BD59-A6C34878D82A}">
-                    <a16:rowId xmlns:a16="http://schemas.microsoft.com/office/drawing/2014/main" val="1014557354"/>
+                    <a16:rowId xmlns:a16="http://schemas.microsoft.com/office/drawing/2014/main" xmlns="" val="1014557354"/>
                   </a:ext>
                 </a:extLst>
               </a:tr>
@@ -7304,7 +7345,7 @@
                 </a:tc>
                 <a:extLst>
                   <a:ext uri="{0D108BD9-81ED-4DB2-BD59-A6C34878D82A}">
-                    <a16:rowId xmlns:a16="http://schemas.microsoft.com/office/drawing/2014/main" val="1544430529"/>
+                    <a16:rowId xmlns:a16="http://schemas.microsoft.com/office/drawing/2014/main" xmlns="" val="1544430529"/>
                   </a:ext>
                 </a:extLst>
               </a:tr>
@@ -7371,7 +7412,7 @@
                 </a:tc>
                 <a:extLst>
                   <a:ext uri="{0D108BD9-81ED-4DB2-BD59-A6C34878D82A}">
-                    <a16:rowId xmlns:a16="http://schemas.microsoft.com/office/drawing/2014/main" val="22504882"/>
+                    <a16:rowId xmlns:a16="http://schemas.microsoft.com/office/drawing/2014/main" xmlns="" val="22504882"/>
                   </a:ext>
                 </a:extLst>
               </a:tr>
